--- a/ppt 16-9/1551.我们成为一家人.pptx
+++ b/ppt 16-9/1551.我们成为一家人.pptx
@@ -5,7 +5,7 @@
     <p:sldMasterId id="2147483648" r:id="rId1"/>
   </p:sldMasterIdLst>
   <p:sldIdLst>
-    <p:sldId id="3402" r:id="rId2"/>
+    <p:sldId id="3404" r:id="rId2"/>
   </p:sldIdLst>
   <p:sldSz cx="12192000" cy="6858000"/>
   <p:notesSz cx="6858000" cy="9144000"/>
@@ -129,7 +129,7 @@
           <p:cNvPr id="2" name="标题 1">
             <a:extLst>
               <a:ext uri="{FF2B5EF4-FFF2-40B4-BE49-F238E27FC236}">
-                <a16:creationId xmlns:a16="http://schemas.microsoft.com/office/drawing/2014/main" id="{C19395C9-B3BA-C870-AB42-613CAD5C7656}"/>
+                <a16:creationId xmlns:a16="http://schemas.microsoft.com/office/drawing/2014/main" id="{75D3350C-844F-829D-FEE7-52D6A99C4C0F}"/>
               </a:ext>
             </a:extLst>
           </p:cNvPr>
@@ -166,7 +166,7 @@
           <p:cNvPr id="3" name="副标题 2">
             <a:extLst>
               <a:ext uri="{FF2B5EF4-FFF2-40B4-BE49-F238E27FC236}">
-                <a16:creationId xmlns:a16="http://schemas.microsoft.com/office/drawing/2014/main" id="{FE9A78EE-D12C-79D0-C193-32F2A2A752E2}"/>
+                <a16:creationId xmlns:a16="http://schemas.microsoft.com/office/drawing/2014/main" id="{EB9F22E4-DDFA-276C-2318-417118C78CB9}"/>
               </a:ext>
             </a:extLst>
           </p:cNvPr>
@@ -236,7 +236,7 @@
           <p:cNvPr id="4" name="日期占位符 3">
             <a:extLst>
               <a:ext uri="{FF2B5EF4-FFF2-40B4-BE49-F238E27FC236}">
-                <a16:creationId xmlns:a16="http://schemas.microsoft.com/office/drawing/2014/main" id="{8B942D75-CD01-31B7-1F6C-0DD93F6941C3}"/>
+                <a16:creationId xmlns:a16="http://schemas.microsoft.com/office/drawing/2014/main" id="{15C4C654-FDF3-DB61-07FF-FBCC30B9A705}"/>
               </a:ext>
             </a:extLst>
           </p:cNvPr>
@@ -252,7 +252,7 @@
           <a:bodyPr/>
           <a:lstStyle/>
           <a:p>
-            <a:fld id="{9A432DC9-EEE9-46F9-A315-D3CBFFAC3977}" type="datetimeFigureOut">
+            <a:fld id="{EA08F4B9-9714-4B58-9187-5FE0CF1F2179}" type="datetimeFigureOut">
               <a:rPr lang="zh-CN" altLang="en-US" smtClean="0"/>
               <a:t>2024/3/10</a:t>
             </a:fld>
@@ -265,7 +265,7 @@
           <p:cNvPr id="5" name="页脚占位符 4">
             <a:extLst>
               <a:ext uri="{FF2B5EF4-FFF2-40B4-BE49-F238E27FC236}">
-                <a16:creationId xmlns:a16="http://schemas.microsoft.com/office/drawing/2014/main" id="{34970549-4296-425B-C820-E07A0880B9E9}"/>
+                <a16:creationId xmlns:a16="http://schemas.microsoft.com/office/drawing/2014/main" id="{9474E889-C16D-89A7-EC8B-F40228976EE2}"/>
               </a:ext>
             </a:extLst>
           </p:cNvPr>
@@ -290,7 +290,7 @@
           <p:cNvPr id="6" name="灯片编号占位符 5">
             <a:extLst>
               <a:ext uri="{FF2B5EF4-FFF2-40B4-BE49-F238E27FC236}">
-                <a16:creationId xmlns:a16="http://schemas.microsoft.com/office/drawing/2014/main" id="{E3520AA0-ED17-F527-3E44-E09D5589B49D}"/>
+                <a16:creationId xmlns:a16="http://schemas.microsoft.com/office/drawing/2014/main" id="{EC7191FF-DD83-E016-4C95-9F10B6D1338D}"/>
               </a:ext>
             </a:extLst>
           </p:cNvPr>
@@ -306,7 +306,7 @@
           <a:bodyPr/>
           <a:lstStyle/>
           <a:p>
-            <a:fld id="{0369E653-691C-4413-85FA-062CFDC5C8B2}" type="slidenum">
+            <a:fld id="{AC05731B-A4BC-40F0-97FA-D90F0F29E772}" type="slidenum">
               <a:rPr lang="zh-CN" altLang="en-US" smtClean="0"/>
               <a:t>‹#›</a:t>
             </a:fld>
@@ -317,7 +317,7 @@
     </p:spTree>
     <p:extLst>
       <p:ext uri="{BB962C8B-B14F-4D97-AF65-F5344CB8AC3E}">
-        <p14:creationId xmlns:p14="http://schemas.microsoft.com/office/powerpoint/2010/main" val="2162337695"/>
+        <p14:creationId xmlns:p14="http://schemas.microsoft.com/office/powerpoint/2010/main" val="1117658193"/>
       </p:ext>
     </p:extLst>
   </p:cSld>
@@ -349,7 +349,7 @@
           <p:cNvPr id="2" name="标题 1">
             <a:extLst>
               <a:ext uri="{FF2B5EF4-FFF2-40B4-BE49-F238E27FC236}">
-                <a16:creationId xmlns:a16="http://schemas.microsoft.com/office/drawing/2014/main" id="{DBA2C494-54C2-D46D-D0ED-864451700A9D}"/>
+                <a16:creationId xmlns:a16="http://schemas.microsoft.com/office/drawing/2014/main" id="{7FF7E821-A679-6DE6-253A-35E9A8DBFA68}"/>
               </a:ext>
             </a:extLst>
           </p:cNvPr>
@@ -377,7 +377,7 @@
           <p:cNvPr id="3" name="竖排文字占位符 2">
             <a:extLst>
               <a:ext uri="{FF2B5EF4-FFF2-40B4-BE49-F238E27FC236}">
-                <a16:creationId xmlns:a16="http://schemas.microsoft.com/office/drawing/2014/main" id="{3446879A-4C9B-7C08-6E9F-35E768DA9A10}"/>
+                <a16:creationId xmlns:a16="http://schemas.microsoft.com/office/drawing/2014/main" id="{866ED490-4DF1-BC8F-0580-CD05F4DBACB5}"/>
               </a:ext>
             </a:extLst>
           </p:cNvPr>
@@ -434,7 +434,7 @@
           <p:cNvPr id="4" name="日期占位符 3">
             <a:extLst>
               <a:ext uri="{FF2B5EF4-FFF2-40B4-BE49-F238E27FC236}">
-                <a16:creationId xmlns:a16="http://schemas.microsoft.com/office/drawing/2014/main" id="{FDE7E2FD-9E1E-EEC8-D1AB-93AD9219F816}"/>
+                <a16:creationId xmlns:a16="http://schemas.microsoft.com/office/drawing/2014/main" id="{CE35148C-B2B3-DE73-41DE-F31E577CCF91}"/>
               </a:ext>
             </a:extLst>
           </p:cNvPr>
@@ -450,7 +450,7 @@
           <a:bodyPr/>
           <a:lstStyle/>
           <a:p>
-            <a:fld id="{9A432DC9-EEE9-46F9-A315-D3CBFFAC3977}" type="datetimeFigureOut">
+            <a:fld id="{EA08F4B9-9714-4B58-9187-5FE0CF1F2179}" type="datetimeFigureOut">
               <a:rPr lang="zh-CN" altLang="en-US" smtClean="0"/>
               <a:t>2024/3/10</a:t>
             </a:fld>
@@ -463,7 +463,7 @@
           <p:cNvPr id="5" name="页脚占位符 4">
             <a:extLst>
               <a:ext uri="{FF2B5EF4-FFF2-40B4-BE49-F238E27FC236}">
-                <a16:creationId xmlns:a16="http://schemas.microsoft.com/office/drawing/2014/main" id="{54562471-F265-9610-E3FD-7B5CE42C15F4}"/>
+                <a16:creationId xmlns:a16="http://schemas.microsoft.com/office/drawing/2014/main" id="{CEFF67AA-7E64-9CC2-C37B-2C1ED56171C6}"/>
               </a:ext>
             </a:extLst>
           </p:cNvPr>
@@ -488,7 +488,7 @@
           <p:cNvPr id="6" name="灯片编号占位符 5">
             <a:extLst>
               <a:ext uri="{FF2B5EF4-FFF2-40B4-BE49-F238E27FC236}">
-                <a16:creationId xmlns:a16="http://schemas.microsoft.com/office/drawing/2014/main" id="{0268B3DB-C556-C21B-8B25-59B86986EA49}"/>
+                <a16:creationId xmlns:a16="http://schemas.microsoft.com/office/drawing/2014/main" id="{772BD3F9-6CD0-96D2-B20C-3AC761748552}"/>
               </a:ext>
             </a:extLst>
           </p:cNvPr>
@@ -504,7 +504,7 @@
           <a:bodyPr/>
           <a:lstStyle/>
           <a:p>
-            <a:fld id="{0369E653-691C-4413-85FA-062CFDC5C8B2}" type="slidenum">
+            <a:fld id="{AC05731B-A4BC-40F0-97FA-D90F0F29E772}" type="slidenum">
               <a:rPr lang="zh-CN" altLang="en-US" smtClean="0"/>
               <a:t>‹#›</a:t>
             </a:fld>
@@ -515,7 +515,7 @@
     </p:spTree>
     <p:extLst>
       <p:ext uri="{BB962C8B-B14F-4D97-AF65-F5344CB8AC3E}">
-        <p14:creationId xmlns:p14="http://schemas.microsoft.com/office/powerpoint/2010/main" val="1054601114"/>
+        <p14:creationId xmlns:p14="http://schemas.microsoft.com/office/powerpoint/2010/main" val="297204318"/>
       </p:ext>
     </p:extLst>
   </p:cSld>
@@ -547,7 +547,7 @@
           <p:cNvPr id="2" name="竖排标题 1">
             <a:extLst>
               <a:ext uri="{FF2B5EF4-FFF2-40B4-BE49-F238E27FC236}">
-                <a16:creationId xmlns:a16="http://schemas.microsoft.com/office/drawing/2014/main" id="{915D4FF5-7EC1-750D-F3B3-5A10C14FAEC8}"/>
+                <a16:creationId xmlns:a16="http://schemas.microsoft.com/office/drawing/2014/main" id="{BF2B79F7-549A-9666-6FF8-89F90A2DF166}"/>
               </a:ext>
             </a:extLst>
           </p:cNvPr>
@@ -580,7 +580,7 @@
           <p:cNvPr id="3" name="竖排文字占位符 2">
             <a:extLst>
               <a:ext uri="{FF2B5EF4-FFF2-40B4-BE49-F238E27FC236}">
-                <a16:creationId xmlns:a16="http://schemas.microsoft.com/office/drawing/2014/main" id="{6B9FF9B9-1330-5A1C-0FAA-B15454F25266}"/>
+                <a16:creationId xmlns:a16="http://schemas.microsoft.com/office/drawing/2014/main" id="{22775D83-3C9C-B4E6-478E-48925BCC581B}"/>
               </a:ext>
             </a:extLst>
           </p:cNvPr>
@@ -642,7 +642,7 @@
           <p:cNvPr id="4" name="日期占位符 3">
             <a:extLst>
               <a:ext uri="{FF2B5EF4-FFF2-40B4-BE49-F238E27FC236}">
-                <a16:creationId xmlns:a16="http://schemas.microsoft.com/office/drawing/2014/main" id="{7425B351-94E3-99E2-34C3-279F361D1E9F}"/>
+                <a16:creationId xmlns:a16="http://schemas.microsoft.com/office/drawing/2014/main" id="{934D0D2E-1F41-C1BE-CCFE-409CEF2D09D8}"/>
               </a:ext>
             </a:extLst>
           </p:cNvPr>
@@ -658,7 +658,7 @@
           <a:bodyPr/>
           <a:lstStyle/>
           <a:p>
-            <a:fld id="{9A432DC9-EEE9-46F9-A315-D3CBFFAC3977}" type="datetimeFigureOut">
+            <a:fld id="{EA08F4B9-9714-4B58-9187-5FE0CF1F2179}" type="datetimeFigureOut">
               <a:rPr lang="zh-CN" altLang="en-US" smtClean="0"/>
               <a:t>2024/3/10</a:t>
             </a:fld>
@@ -671,7 +671,7 @@
           <p:cNvPr id="5" name="页脚占位符 4">
             <a:extLst>
               <a:ext uri="{FF2B5EF4-FFF2-40B4-BE49-F238E27FC236}">
-                <a16:creationId xmlns:a16="http://schemas.microsoft.com/office/drawing/2014/main" id="{9745A66A-5873-2072-7001-609FD5CF2F4E}"/>
+                <a16:creationId xmlns:a16="http://schemas.microsoft.com/office/drawing/2014/main" id="{7F6618BB-A13C-D9D7-18D7-8B0B538A4777}"/>
               </a:ext>
             </a:extLst>
           </p:cNvPr>
@@ -696,7 +696,7 @@
           <p:cNvPr id="6" name="灯片编号占位符 5">
             <a:extLst>
               <a:ext uri="{FF2B5EF4-FFF2-40B4-BE49-F238E27FC236}">
-                <a16:creationId xmlns:a16="http://schemas.microsoft.com/office/drawing/2014/main" id="{773F18B0-9A3F-18F7-5F6E-D899650F5FAE}"/>
+                <a16:creationId xmlns:a16="http://schemas.microsoft.com/office/drawing/2014/main" id="{DF685045-EC27-8AD5-8DF6-78EADED6E11A}"/>
               </a:ext>
             </a:extLst>
           </p:cNvPr>
@@ -712,7 +712,7 @@
           <a:bodyPr/>
           <a:lstStyle/>
           <a:p>
-            <a:fld id="{0369E653-691C-4413-85FA-062CFDC5C8B2}" type="slidenum">
+            <a:fld id="{AC05731B-A4BC-40F0-97FA-D90F0F29E772}" type="slidenum">
               <a:rPr lang="zh-CN" altLang="en-US" smtClean="0"/>
               <a:t>‹#›</a:t>
             </a:fld>
@@ -723,7 +723,7 @@
     </p:spTree>
     <p:extLst>
       <p:ext uri="{BB962C8B-B14F-4D97-AF65-F5344CB8AC3E}">
-        <p14:creationId xmlns:p14="http://schemas.microsoft.com/office/powerpoint/2010/main" val="2074322731"/>
+        <p14:creationId xmlns:p14="http://schemas.microsoft.com/office/powerpoint/2010/main" val="2480144469"/>
       </p:ext>
     </p:extLst>
   </p:cSld>
@@ -755,7 +755,7 @@
           <p:cNvPr id="2" name="标题 1">
             <a:extLst>
               <a:ext uri="{FF2B5EF4-FFF2-40B4-BE49-F238E27FC236}">
-                <a16:creationId xmlns:a16="http://schemas.microsoft.com/office/drawing/2014/main" id="{EB3134B0-ACD8-CE8A-E7D9-FD4911E0C0A2}"/>
+                <a16:creationId xmlns:a16="http://schemas.microsoft.com/office/drawing/2014/main" id="{8F71515B-532D-897D-7AB3-5BF2DF5C084E}"/>
               </a:ext>
             </a:extLst>
           </p:cNvPr>
@@ -783,7 +783,7 @@
           <p:cNvPr id="3" name="内容占位符 2">
             <a:extLst>
               <a:ext uri="{FF2B5EF4-FFF2-40B4-BE49-F238E27FC236}">
-                <a16:creationId xmlns:a16="http://schemas.microsoft.com/office/drawing/2014/main" id="{667911FA-25F2-883B-0398-17373EDCA2F3}"/>
+                <a16:creationId xmlns:a16="http://schemas.microsoft.com/office/drawing/2014/main" id="{C398A514-5209-6DA0-9ABC-726F219DCCFF}"/>
               </a:ext>
             </a:extLst>
           </p:cNvPr>
@@ -840,7 +840,7 @@
           <p:cNvPr id="4" name="日期占位符 3">
             <a:extLst>
               <a:ext uri="{FF2B5EF4-FFF2-40B4-BE49-F238E27FC236}">
-                <a16:creationId xmlns:a16="http://schemas.microsoft.com/office/drawing/2014/main" id="{4D7204CD-44D0-C8E3-1D3E-0DD453B9F032}"/>
+                <a16:creationId xmlns:a16="http://schemas.microsoft.com/office/drawing/2014/main" id="{161937E9-D8B2-B230-9F34-9F710A6C7CE7}"/>
               </a:ext>
             </a:extLst>
           </p:cNvPr>
@@ -856,7 +856,7 @@
           <a:bodyPr/>
           <a:lstStyle/>
           <a:p>
-            <a:fld id="{9A432DC9-EEE9-46F9-A315-D3CBFFAC3977}" type="datetimeFigureOut">
+            <a:fld id="{EA08F4B9-9714-4B58-9187-5FE0CF1F2179}" type="datetimeFigureOut">
               <a:rPr lang="zh-CN" altLang="en-US" smtClean="0"/>
               <a:t>2024/3/10</a:t>
             </a:fld>
@@ -869,7 +869,7 @@
           <p:cNvPr id="5" name="页脚占位符 4">
             <a:extLst>
               <a:ext uri="{FF2B5EF4-FFF2-40B4-BE49-F238E27FC236}">
-                <a16:creationId xmlns:a16="http://schemas.microsoft.com/office/drawing/2014/main" id="{C2F47546-0E5F-CBBC-965D-5CDE1B1F7269}"/>
+                <a16:creationId xmlns:a16="http://schemas.microsoft.com/office/drawing/2014/main" id="{CC114BD3-4EBB-249F-FDDF-E88C70F90EFD}"/>
               </a:ext>
             </a:extLst>
           </p:cNvPr>
@@ -894,7 +894,7 @@
           <p:cNvPr id="6" name="灯片编号占位符 5">
             <a:extLst>
               <a:ext uri="{FF2B5EF4-FFF2-40B4-BE49-F238E27FC236}">
-                <a16:creationId xmlns:a16="http://schemas.microsoft.com/office/drawing/2014/main" id="{A86D7C80-8312-31BC-8B65-5993BF1BE977}"/>
+                <a16:creationId xmlns:a16="http://schemas.microsoft.com/office/drawing/2014/main" id="{9FDE5EC9-0D90-BE87-57B9-83355594307E}"/>
               </a:ext>
             </a:extLst>
           </p:cNvPr>
@@ -910,7 +910,7 @@
           <a:bodyPr/>
           <a:lstStyle/>
           <a:p>
-            <a:fld id="{0369E653-691C-4413-85FA-062CFDC5C8B2}" type="slidenum">
+            <a:fld id="{AC05731B-A4BC-40F0-97FA-D90F0F29E772}" type="slidenum">
               <a:rPr lang="zh-CN" altLang="en-US" smtClean="0"/>
               <a:t>‹#›</a:t>
             </a:fld>
@@ -921,7 +921,7 @@
     </p:spTree>
     <p:extLst>
       <p:ext uri="{BB962C8B-B14F-4D97-AF65-F5344CB8AC3E}">
-        <p14:creationId xmlns:p14="http://schemas.microsoft.com/office/powerpoint/2010/main" val="1691190978"/>
+        <p14:creationId xmlns:p14="http://schemas.microsoft.com/office/powerpoint/2010/main" val="3522052870"/>
       </p:ext>
     </p:extLst>
   </p:cSld>
@@ -953,7 +953,7 @@
           <p:cNvPr id="2" name="标题 1">
             <a:extLst>
               <a:ext uri="{FF2B5EF4-FFF2-40B4-BE49-F238E27FC236}">
-                <a16:creationId xmlns:a16="http://schemas.microsoft.com/office/drawing/2014/main" id="{58C20A0C-F4AC-1BAC-7315-F6BE7049D9DD}"/>
+                <a16:creationId xmlns:a16="http://schemas.microsoft.com/office/drawing/2014/main" id="{BC5BC06C-0033-276D-C10A-1B68BF331746}"/>
               </a:ext>
             </a:extLst>
           </p:cNvPr>
@@ -990,7 +990,7 @@
           <p:cNvPr id="3" name="文本占位符 2">
             <a:extLst>
               <a:ext uri="{FF2B5EF4-FFF2-40B4-BE49-F238E27FC236}">
-                <a16:creationId xmlns:a16="http://schemas.microsoft.com/office/drawing/2014/main" id="{A605138F-66A6-56A4-D6C8-39FAA72499AC}"/>
+                <a16:creationId xmlns:a16="http://schemas.microsoft.com/office/drawing/2014/main" id="{4669C432-B6B3-57F1-2F30-E6A3FA90ACD2}"/>
               </a:ext>
             </a:extLst>
           </p:cNvPr>
@@ -1115,7 +1115,7 @@
           <p:cNvPr id="4" name="日期占位符 3">
             <a:extLst>
               <a:ext uri="{FF2B5EF4-FFF2-40B4-BE49-F238E27FC236}">
-                <a16:creationId xmlns:a16="http://schemas.microsoft.com/office/drawing/2014/main" id="{E5F8E304-12F8-1BB5-AF92-59B82CFD2F01}"/>
+                <a16:creationId xmlns:a16="http://schemas.microsoft.com/office/drawing/2014/main" id="{6DE56CA2-E7D6-104A-4D1A-F196D08AA82E}"/>
               </a:ext>
             </a:extLst>
           </p:cNvPr>
@@ -1131,7 +1131,7 @@
           <a:bodyPr/>
           <a:lstStyle/>
           <a:p>
-            <a:fld id="{9A432DC9-EEE9-46F9-A315-D3CBFFAC3977}" type="datetimeFigureOut">
+            <a:fld id="{EA08F4B9-9714-4B58-9187-5FE0CF1F2179}" type="datetimeFigureOut">
               <a:rPr lang="zh-CN" altLang="en-US" smtClean="0"/>
               <a:t>2024/3/10</a:t>
             </a:fld>
@@ -1144,7 +1144,7 @@
           <p:cNvPr id="5" name="页脚占位符 4">
             <a:extLst>
               <a:ext uri="{FF2B5EF4-FFF2-40B4-BE49-F238E27FC236}">
-                <a16:creationId xmlns:a16="http://schemas.microsoft.com/office/drawing/2014/main" id="{7CEB0E5B-F9DD-8688-2E9D-F72952EF4D4E}"/>
+                <a16:creationId xmlns:a16="http://schemas.microsoft.com/office/drawing/2014/main" id="{37943822-1D5C-C71D-58DA-D730638B633C}"/>
               </a:ext>
             </a:extLst>
           </p:cNvPr>
@@ -1169,7 +1169,7 @@
           <p:cNvPr id="6" name="灯片编号占位符 5">
             <a:extLst>
               <a:ext uri="{FF2B5EF4-FFF2-40B4-BE49-F238E27FC236}">
-                <a16:creationId xmlns:a16="http://schemas.microsoft.com/office/drawing/2014/main" id="{CBA06AB1-4B66-B688-C024-A17049D95DD6}"/>
+                <a16:creationId xmlns:a16="http://schemas.microsoft.com/office/drawing/2014/main" id="{471D9C3F-6B15-2BD9-9717-0C52C0175061}"/>
               </a:ext>
             </a:extLst>
           </p:cNvPr>
@@ -1185,7 +1185,7 @@
           <a:bodyPr/>
           <a:lstStyle/>
           <a:p>
-            <a:fld id="{0369E653-691C-4413-85FA-062CFDC5C8B2}" type="slidenum">
+            <a:fld id="{AC05731B-A4BC-40F0-97FA-D90F0F29E772}" type="slidenum">
               <a:rPr lang="zh-CN" altLang="en-US" smtClean="0"/>
               <a:t>‹#›</a:t>
             </a:fld>
@@ -1196,7 +1196,7 @@
     </p:spTree>
     <p:extLst>
       <p:ext uri="{BB962C8B-B14F-4D97-AF65-F5344CB8AC3E}">
-        <p14:creationId xmlns:p14="http://schemas.microsoft.com/office/powerpoint/2010/main" val="2120140940"/>
+        <p14:creationId xmlns:p14="http://schemas.microsoft.com/office/powerpoint/2010/main" val="1467610427"/>
       </p:ext>
     </p:extLst>
   </p:cSld>
@@ -1228,7 +1228,7 @@
           <p:cNvPr id="2" name="标题 1">
             <a:extLst>
               <a:ext uri="{FF2B5EF4-FFF2-40B4-BE49-F238E27FC236}">
-                <a16:creationId xmlns:a16="http://schemas.microsoft.com/office/drawing/2014/main" id="{9D869577-3790-DE0B-CF15-25AE9E64D2B4}"/>
+                <a16:creationId xmlns:a16="http://schemas.microsoft.com/office/drawing/2014/main" id="{7AD97039-3A34-C6DC-186B-1C2D1239B23C}"/>
               </a:ext>
             </a:extLst>
           </p:cNvPr>
@@ -1256,7 +1256,7 @@
           <p:cNvPr id="3" name="内容占位符 2">
             <a:extLst>
               <a:ext uri="{FF2B5EF4-FFF2-40B4-BE49-F238E27FC236}">
-                <a16:creationId xmlns:a16="http://schemas.microsoft.com/office/drawing/2014/main" id="{3F238234-0CD0-4AD8-629C-5CA4829F47A4}"/>
+                <a16:creationId xmlns:a16="http://schemas.microsoft.com/office/drawing/2014/main" id="{91750658-2591-B90C-E506-E7EB16D4BF1B}"/>
               </a:ext>
             </a:extLst>
           </p:cNvPr>
@@ -1318,7 +1318,7 @@
           <p:cNvPr id="4" name="内容占位符 3">
             <a:extLst>
               <a:ext uri="{FF2B5EF4-FFF2-40B4-BE49-F238E27FC236}">
-                <a16:creationId xmlns:a16="http://schemas.microsoft.com/office/drawing/2014/main" id="{7E60B8A7-5A45-E28F-C059-E134AB4688B7}"/>
+                <a16:creationId xmlns:a16="http://schemas.microsoft.com/office/drawing/2014/main" id="{1C6FFB71-9040-A83A-A68F-B466E2FBE1A2}"/>
               </a:ext>
             </a:extLst>
           </p:cNvPr>
@@ -1380,7 +1380,7 @@
           <p:cNvPr id="5" name="日期占位符 4">
             <a:extLst>
               <a:ext uri="{FF2B5EF4-FFF2-40B4-BE49-F238E27FC236}">
-                <a16:creationId xmlns:a16="http://schemas.microsoft.com/office/drawing/2014/main" id="{F134074E-2B00-6507-55F0-5EA9989F1C47}"/>
+                <a16:creationId xmlns:a16="http://schemas.microsoft.com/office/drawing/2014/main" id="{D843EABF-FB49-79B1-D25E-F84EA5A393D4}"/>
               </a:ext>
             </a:extLst>
           </p:cNvPr>
@@ -1396,7 +1396,7 @@
           <a:bodyPr/>
           <a:lstStyle/>
           <a:p>
-            <a:fld id="{9A432DC9-EEE9-46F9-A315-D3CBFFAC3977}" type="datetimeFigureOut">
+            <a:fld id="{EA08F4B9-9714-4B58-9187-5FE0CF1F2179}" type="datetimeFigureOut">
               <a:rPr lang="zh-CN" altLang="en-US" smtClean="0"/>
               <a:t>2024/3/10</a:t>
             </a:fld>
@@ -1409,7 +1409,7 @@
           <p:cNvPr id="6" name="页脚占位符 5">
             <a:extLst>
               <a:ext uri="{FF2B5EF4-FFF2-40B4-BE49-F238E27FC236}">
-                <a16:creationId xmlns:a16="http://schemas.microsoft.com/office/drawing/2014/main" id="{5EE58142-EE32-9A28-3768-9AC92EAC75F8}"/>
+                <a16:creationId xmlns:a16="http://schemas.microsoft.com/office/drawing/2014/main" id="{8D8A5C52-933F-421B-FBB1-C3FBE7A1FC13}"/>
               </a:ext>
             </a:extLst>
           </p:cNvPr>
@@ -1434,7 +1434,7 @@
           <p:cNvPr id="7" name="灯片编号占位符 6">
             <a:extLst>
               <a:ext uri="{FF2B5EF4-FFF2-40B4-BE49-F238E27FC236}">
-                <a16:creationId xmlns:a16="http://schemas.microsoft.com/office/drawing/2014/main" id="{ACEC8B35-9BA8-A705-79D1-6FC656466174}"/>
+                <a16:creationId xmlns:a16="http://schemas.microsoft.com/office/drawing/2014/main" id="{3C0016E6-6E95-7FEF-7F00-31EDCB361CE0}"/>
               </a:ext>
             </a:extLst>
           </p:cNvPr>
@@ -1450,7 +1450,7 @@
           <a:bodyPr/>
           <a:lstStyle/>
           <a:p>
-            <a:fld id="{0369E653-691C-4413-85FA-062CFDC5C8B2}" type="slidenum">
+            <a:fld id="{AC05731B-A4BC-40F0-97FA-D90F0F29E772}" type="slidenum">
               <a:rPr lang="zh-CN" altLang="en-US" smtClean="0"/>
               <a:t>‹#›</a:t>
             </a:fld>
@@ -1461,7 +1461,7 @@
     </p:spTree>
     <p:extLst>
       <p:ext uri="{BB962C8B-B14F-4D97-AF65-F5344CB8AC3E}">
-        <p14:creationId xmlns:p14="http://schemas.microsoft.com/office/powerpoint/2010/main" val="1074481626"/>
+        <p14:creationId xmlns:p14="http://schemas.microsoft.com/office/powerpoint/2010/main" val="3861582386"/>
       </p:ext>
     </p:extLst>
   </p:cSld>
@@ -1493,7 +1493,7 @@
           <p:cNvPr id="2" name="标题 1">
             <a:extLst>
               <a:ext uri="{FF2B5EF4-FFF2-40B4-BE49-F238E27FC236}">
-                <a16:creationId xmlns:a16="http://schemas.microsoft.com/office/drawing/2014/main" id="{49EFF6DD-B8D7-1B41-CEAD-A1B450AE2626}"/>
+                <a16:creationId xmlns:a16="http://schemas.microsoft.com/office/drawing/2014/main" id="{1628331F-AB08-3408-BB65-682D490A7174}"/>
               </a:ext>
             </a:extLst>
           </p:cNvPr>
@@ -1526,7 +1526,7 @@
           <p:cNvPr id="3" name="文本占位符 2">
             <a:extLst>
               <a:ext uri="{FF2B5EF4-FFF2-40B4-BE49-F238E27FC236}">
-                <a16:creationId xmlns:a16="http://schemas.microsoft.com/office/drawing/2014/main" id="{0C5452AF-D82E-2EAE-698A-D06E8CD31028}"/>
+                <a16:creationId xmlns:a16="http://schemas.microsoft.com/office/drawing/2014/main" id="{B98A5085-C02E-9619-A2E9-9CEE05392E85}"/>
               </a:ext>
             </a:extLst>
           </p:cNvPr>
@@ -1597,7 +1597,7 @@
           <p:cNvPr id="4" name="内容占位符 3">
             <a:extLst>
               <a:ext uri="{FF2B5EF4-FFF2-40B4-BE49-F238E27FC236}">
-                <a16:creationId xmlns:a16="http://schemas.microsoft.com/office/drawing/2014/main" id="{24296894-88A0-7D32-80CA-FFA026A91C7B}"/>
+                <a16:creationId xmlns:a16="http://schemas.microsoft.com/office/drawing/2014/main" id="{A1CAFCD8-A052-6F8B-FE19-10CBC7A4B6C3}"/>
               </a:ext>
             </a:extLst>
           </p:cNvPr>
@@ -1659,7 +1659,7 @@
           <p:cNvPr id="5" name="文本占位符 4">
             <a:extLst>
               <a:ext uri="{FF2B5EF4-FFF2-40B4-BE49-F238E27FC236}">
-                <a16:creationId xmlns:a16="http://schemas.microsoft.com/office/drawing/2014/main" id="{55CF90F4-A47C-9D76-23A7-6F0056C56B37}"/>
+                <a16:creationId xmlns:a16="http://schemas.microsoft.com/office/drawing/2014/main" id="{3A5EB81B-2B38-57E2-668C-94C52E14DC98}"/>
               </a:ext>
             </a:extLst>
           </p:cNvPr>
@@ -1730,7 +1730,7 @@
           <p:cNvPr id="6" name="内容占位符 5">
             <a:extLst>
               <a:ext uri="{FF2B5EF4-FFF2-40B4-BE49-F238E27FC236}">
-                <a16:creationId xmlns:a16="http://schemas.microsoft.com/office/drawing/2014/main" id="{A03CEDF9-B040-497E-E8B4-795244E1A071}"/>
+                <a16:creationId xmlns:a16="http://schemas.microsoft.com/office/drawing/2014/main" id="{DDDAC1B3-88E5-0CDB-5609-032A3DB193AE}"/>
               </a:ext>
             </a:extLst>
           </p:cNvPr>
@@ -1792,7 +1792,7 @@
           <p:cNvPr id="7" name="日期占位符 6">
             <a:extLst>
               <a:ext uri="{FF2B5EF4-FFF2-40B4-BE49-F238E27FC236}">
-                <a16:creationId xmlns:a16="http://schemas.microsoft.com/office/drawing/2014/main" id="{FCD5640E-5BF0-0C88-8DA6-EABEE7EA522B}"/>
+                <a16:creationId xmlns:a16="http://schemas.microsoft.com/office/drawing/2014/main" id="{C4D7D4E5-B300-033A-3A64-4A200AFCE41C}"/>
               </a:ext>
             </a:extLst>
           </p:cNvPr>
@@ -1808,7 +1808,7 @@
           <a:bodyPr/>
           <a:lstStyle/>
           <a:p>
-            <a:fld id="{9A432DC9-EEE9-46F9-A315-D3CBFFAC3977}" type="datetimeFigureOut">
+            <a:fld id="{EA08F4B9-9714-4B58-9187-5FE0CF1F2179}" type="datetimeFigureOut">
               <a:rPr lang="zh-CN" altLang="en-US" smtClean="0"/>
               <a:t>2024/3/10</a:t>
             </a:fld>
@@ -1821,7 +1821,7 @@
           <p:cNvPr id="8" name="页脚占位符 7">
             <a:extLst>
               <a:ext uri="{FF2B5EF4-FFF2-40B4-BE49-F238E27FC236}">
-                <a16:creationId xmlns:a16="http://schemas.microsoft.com/office/drawing/2014/main" id="{7970C835-2363-E709-02B3-AA7358C21541}"/>
+                <a16:creationId xmlns:a16="http://schemas.microsoft.com/office/drawing/2014/main" id="{987806B2-CD27-D0AC-EAAF-86B7E5ABF7CD}"/>
               </a:ext>
             </a:extLst>
           </p:cNvPr>
@@ -1846,7 +1846,7 @@
           <p:cNvPr id="9" name="灯片编号占位符 8">
             <a:extLst>
               <a:ext uri="{FF2B5EF4-FFF2-40B4-BE49-F238E27FC236}">
-                <a16:creationId xmlns:a16="http://schemas.microsoft.com/office/drawing/2014/main" id="{30CD43CE-B7B5-15B6-63FD-0ED8069052A4}"/>
+                <a16:creationId xmlns:a16="http://schemas.microsoft.com/office/drawing/2014/main" id="{D037B81A-A57E-ECE0-8CE0-C33BDAE992EB}"/>
               </a:ext>
             </a:extLst>
           </p:cNvPr>
@@ -1862,7 +1862,7 @@
           <a:bodyPr/>
           <a:lstStyle/>
           <a:p>
-            <a:fld id="{0369E653-691C-4413-85FA-062CFDC5C8B2}" type="slidenum">
+            <a:fld id="{AC05731B-A4BC-40F0-97FA-D90F0F29E772}" type="slidenum">
               <a:rPr lang="zh-CN" altLang="en-US" smtClean="0"/>
               <a:t>‹#›</a:t>
             </a:fld>
@@ -1873,7 +1873,7 @@
     </p:spTree>
     <p:extLst>
       <p:ext uri="{BB962C8B-B14F-4D97-AF65-F5344CB8AC3E}">
-        <p14:creationId xmlns:p14="http://schemas.microsoft.com/office/powerpoint/2010/main" val="2487177646"/>
+        <p14:creationId xmlns:p14="http://schemas.microsoft.com/office/powerpoint/2010/main" val="2636620643"/>
       </p:ext>
     </p:extLst>
   </p:cSld>
@@ -1905,7 +1905,7 @@
           <p:cNvPr id="2" name="标题 1">
             <a:extLst>
               <a:ext uri="{FF2B5EF4-FFF2-40B4-BE49-F238E27FC236}">
-                <a16:creationId xmlns:a16="http://schemas.microsoft.com/office/drawing/2014/main" id="{2192C0E3-AD3F-8BC8-A16D-C172749D6562}"/>
+                <a16:creationId xmlns:a16="http://schemas.microsoft.com/office/drawing/2014/main" id="{6B8DC57A-B933-227B-227C-3F2556463009}"/>
               </a:ext>
             </a:extLst>
           </p:cNvPr>
@@ -1933,7 +1933,7 @@
           <p:cNvPr id="3" name="日期占位符 2">
             <a:extLst>
               <a:ext uri="{FF2B5EF4-FFF2-40B4-BE49-F238E27FC236}">
-                <a16:creationId xmlns:a16="http://schemas.microsoft.com/office/drawing/2014/main" id="{AFE61B74-8D20-ABAB-DC99-8E0EFE2D7B94}"/>
+                <a16:creationId xmlns:a16="http://schemas.microsoft.com/office/drawing/2014/main" id="{A026B28D-13A4-A71A-8906-1D33EA8C75A0}"/>
               </a:ext>
             </a:extLst>
           </p:cNvPr>
@@ -1949,7 +1949,7 @@
           <a:bodyPr/>
           <a:lstStyle/>
           <a:p>
-            <a:fld id="{9A432DC9-EEE9-46F9-A315-D3CBFFAC3977}" type="datetimeFigureOut">
+            <a:fld id="{EA08F4B9-9714-4B58-9187-5FE0CF1F2179}" type="datetimeFigureOut">
               <a:rPr lang="zh-CN" altLang="en-US" smtClean="0"/>
               <a:t>2024/3/10</a:t>
             </a:fld>
@@ -1962,7 +1962,7 @@
           <p:cNvPr id="4" name="页脚占位符 3">
             <a:extLst>
               <a:ext uri="{FF2B5EF4-FFF2-40B4-BE49-F238E27FC236}">
-                <a16:creationId xmlns:a16="http://schemas.microsoft.com/office/drawing/2014/main" id="{95932A93-8760-6156-4E57-AFE3AC024643}"/>
+                <a16:creationId xmlns:a16="http://schemas.microsoft.com/office/drawing/2014/main" id="{7859387F-30FE-E92F-9C39-775843C36B7A}"/>
               </a:ext>
             </a:extLst>
           </p:cNvPr>
@@ -1987,7 +1987,7 @@
           <p:cNvPr id="5" name="灯片编号占位符 4">
             <a:extLst>
               <a:ext uri="{FF2B5EF4-FFF2-40B4-BE49-F238E27FC236}">
-                <a16:creationId xmlns:a16="http://schemas.microsoft.com/office/drawing/2014/main" id="{0436409F-DDE6-D0AB-E799-493F30CD59FA}"/>
+                <a16:creationId xmlns:a16="http://schemas.microsoft.com/office/drawing/2014/main" id="{08475B22-FFAB-2E80-66A8-17B05B0C73AE}"/>
               </a:ext>
             </a:extLst>
           </p:cNvPr>
@@ -2003,7 +2003,7 @@
           <a:bodyPr/>
           <a:lstStyle/>
           <a:p>
-            <a:fld id="{0369E653-691C-4413-85FA-062CFDC5C8B2}" type="slidenum">
+            <a:fld id="{AC05731B-A4BC-40F0-97FA-D90F0F29E772}" type="slidenum">
               <a:rPr lang="zh-CN" altLang="en-US" smtClean="0"/>
               <a:t>‹#›</a:t>
             </a:fld>
@@ -2014,7 +2014,7 @@
     </p:spTree>
     <p:extLst>
       <p:ext uri="{BB962C8B-B14F-4D97-AF65-F5344CB8AC3E}">
-        <p14:creationId xmlns:p14="http://schemas.microsoft.com/office/powerpoint/2010/main" val="582944295"/>
+        <p14:creationId xmlns:p14="http://schemas.microsoft.com/office/powerpoint/2010/main" val="621921727"/>
       </p:ext>
     </p:extLst>
   </p:cSld>
@@ -2046,7 +2046,7 @@
           <p:cNvPr id="2" name="日期占位符 1">
             <a:extLst>
               <a:ext uri="{FF2B5EF4-FFF2-40B4-BE49-F238E27FC236}">
-                <a16:creationId xmlns:a16="http://schemas.microsoft.com/office/drawing/2014/main" id="{58449EF5-6984-FD7F-5036-528F27E1A115}"/>
+                <a16:creationId xmlns:a16="http://schemas.microsoft.com/office/drawing/2014/main" id="{3E363218-8671-FF8F-7E2D-936C2D2143D5}"/>
               </a:ext>
             </a:extLst>
           </p:cNvPr>
@@ -2062,7 +2062,7 @@
           <a:bodyPr/>
           <a:lstStyle/>
           <a:p>
-            <a:fld id="{9A432DC9-EEE9-46F9-A315-D3CBFFAC3977}" type="datetimeFigureOut">
+            <a:fld id="{EA08F4B9-9714-4B58-9187-5FE0CF1F2179}" type="datetimeFigureOut">
               <a:rPr lang="zh-CN" altLang="en-US" smtClean="0"/>
               <a:t>2024/3/10</a:t>
             </a:fld>
@@ -2075,7 +2075,7 @@
           <p:cNvPr id="3" name="页脚占位符 2">
             <a:extLst>
               <a:ext uri="{FF2B5EF4-FFF2-40B4-BE49-F238E27FC236}">
-                <a16:creationId xmlns:a16="http://schemas.microsoft.com/office/drawing/2014/main" id="{88134DFE-2E22-EC20-E90D-7ECF1E9E3F96}"/>
+                <a16:creationId xmlns:a16="http://schemas.microsoft.com/office/drawing/2014/main" id="{7BAD1943-7904-EB3F-A1C7-91B57AA9F8E2}"/>
               </a:ext>
             </a:extLst>
           </p:cNvPr>
@@ -2100,7 +2100,7 @@
           <p:cNvPr id="4" name="灯片编号占位符 3">
             <a:extLst>
               <a:ext uri="{FF2B5EF4-FFF2-40B4-BE49-F238E27FC236}">
-                <a16:creationId xmlns:a16="http://schemas.microsoft.com/office/drawing/2014/main" id="{198BFE73-0DD7-F514-B6EA-593A6A907404}"/>
+                <a16:creationId xmlns:a16="http://schemas.microsoft.com/office/drawing/2014/main" id="{0D7FA415-DA17-A64D-84E5-FF4D99DE303E}"/>
               </a:ext>
             </a:extLst>
           </p:cNvPr>
@@ -2116,7 +2116,7 @@
           <a:bodyPr/>
           <a:lstStyle/>
           <a:p>
-            <a:fld id="{0369E653-691C-4413-85FA-062CFDC5C8B2}" type="slidenum">
+            <a:fld id="{AC05731B-A4BC-40F0-97FA-D90F0F29E772}" type="slidenum">
               <a:rPr lang="zh-CN" altLang="en-US" smtClean="0"/>
               <a:t>‹#›</a:t>
             </a:fld>
@@ -2127,7 +2127,7 @@
     </p:spTree>
     <p:extLst>
       <p:ext uri="{BB962C8B-B14F-4D97-AF65-F5344CB8AC3E}">
-        <p14:creationId xmlns:p14="http://schemas.microsoft.com/office/powerpoint/2010/main" val="755490111"/>
+        <p14:creationId xmlns:p14="http://schemas.microsoft.com/office/powerpoint/2010/main" val="1940039171"/>
       </p:ext>
     </p:extLst>
   </p:cSld>
@@ -2159,7 +2159,7 @@
           <p:cNvPr id="2" name="标题 1">
             <a:extLst>
               <a:ext uri="{FF2B5EF4-FFF2-40B4-BE49-F238E27FC236}">
-                <a16:creationId xmlns:a16="http://schemas.microsoft.com/office/drawing/2014/main" id="{19B645E2-3586-F746-8011-199FF01FD6D1}"/>
+                <a16:creationId xmlns:a16="http://schemas.microsoft.com/office/drawing/2014/main" id="{3B52F60A-2709-A745-96ED-00EAC4A3736F}"/>
               </a:ext>
             </a:extLst>
           </p:cNvPr>
@@ -2196,7 +2196,7 @@
           <p:cNvPr id="3" name="内容占位符 2">
             <a:extLst>
               <a:ext uri="{FF2B5EF4-FFF2-40B4-BE49-F238E27FC236}">
-                <a16:creationId xmlns:a16="http://schemas.microsoft.com/office/drawing/2014/main" id="{4A627EB6-8C37-FC0F-1C26-6CEFD3224981}"/>
+                <a16:creationId xmlns:a16="http://schemas.microsoft.com/office/drawing/2014/main" id="{D1984CF6-AC9F-BCBA-9E06-D0CA55D30E9D}"/>
               </a:ext>
             </a:extLst>
           </p:cNvPr>
@@ -2286,7 +2286,7 @@
           <p:cNvPr id="4" name="文本占位符 3">
             <a:extLst>
               <a:ext uri="{FF2B5EF4-FFF2-40B4-BE49-F238E27FC236}">
-                <a16:creationId xmlns:a16="http://schemas.microsoft.com/office/drawing/2014/main" id="{09482B9B-47FB-7DD7-DB63-0E53A3803584}"/>
+                <a16:creationId xmlns:a16="http://schemas.microsoft.com/office/drawing/2014/main" id="{3DA6BC49-07DD-57AA-41DB-D952E484884B}"/>
               </a:ext>
             </a:extLst>
           </p:cNvPr>
@@ -2357,7 +2357,7 @@
           <p:cNvPr id="5" name="日期占位符 4">
             <a:extLst>
               <a:ext uri="{FF2B5EF4-FFF2-40B4-BE49-F238E27FC236}">
-                <a16:creationId xmlns:a16="http://schemas.microsoft.com/office/drawing/2014/main" id="{7D204A3F-E565-B25B-1910-C83547C9C346}"/>
+                <a16:creationId xmlns:a16="http://schemas.microsoft.com/office/drawing/2014/main" id="{A337F0C9-CB76-689F-9A14-074C73B8107A}"/>
               </a:ext>
             </a:extLst>
           </p:cNvPr>
@@ -2373,7 +2373,7 @@
           <a:bodyPr/>
           <a:lstStyle/>
           <a:p>
-            <a:fld id="{9A432DC9-EEE9-46F9-A315-D3CBFFAC3977}" type="datetimeFigureOut">
+            <a:fld id="{EA08F4B9-9714-4B58-9187-5FE0CF1F2179}" type="datetimeFigureOut">
               <a:rPr lang="zh-CN" altLang="en-US" smtClean="0"/>
               <a:t>2024/3/10</a:t>
             </a:fld>
@@ -2386,7 +2386,7 @@
           <p:cNvPr id="6" name="页脚占位符 5">
             <a:extLst>
               <a:ext uri="{FF2B5EF4-FFF2-40B4-BE49-F238E27FC236}">
-                <a16:creationId xmlns:a16="http://schemas.microsoft.com/office/drawing/2014/main" id="{0A8E0CD4-06A3-1DD4-B54A-026B668EF41C}"/>
+                <a16:creationId xmlns:a16="http://schemas.microsoft.com/office/drawing/2014/main" id="{227FC1A7-9771-CE02-B521-A45F7A89A6EF}"/>
               </a:ext>
             </a:extLst>
           </p:cNvPr>
@@ -2411,7 +2411,7 @@
           <p:cNvPr id="7" name="灯片编号占位符 6">
             <a:extLst>
               <a:ext uri="{FF2B5EF4-FFF2-40B4-BE49-F238E27FC236}">
-                <a16:creationId xmlns:a16="http://schemas.microsoft.com/office/drawing/2014/main" id="{3E6FF16B-8C2F-0174-3305-000425CAF7B2}"/>
+                <a16:creationId xmlns:a16="http://schemas.microsoft.com/office/drawing/2014/main" id="{9938451F-2459-58AE-21A4-655615C47756}"/>
               </a:ext>
             </a:extLst>
           </p:cNvPr>
@@ -2427,7 +2427,7 @@
           <a:bodyPr/>
           <a:lstStyle/>
           <a:p>
-            <a:fld id="{0369E653-691C-4413-85FA-062CFDC5C8B2}" type="slidenum">
+            <a:fld id="{AC05731B-A4BC-40F0-97FA-D90F0F29E772}" type="slidenum">
               <a:rPr lang="zh-CN" altLang="en-US" smtClean="0"/>
               <a:t>‹#›</a:t>
             </a:fld>
@@ -2438,7 +2438,7 @@
     </p:spTree>
     <p:extLst>
       <p:ext uri="{BB962C8B-B14F-4D97-AF65-F5344CB8AC3E}">
-        <p14:creationId xmlns:p14="http://schemas.microsoft.com/office/powerpoint/2010/main" val="3827709925"/>
+        <p14:creationId xmlns:p14="http://schemas.microsoft.com/office/powerpoint/2010/main" val="3212288231"/>
       </p:ext>
     </p:extLst>
   </p:cSld>
@@ -2470,7 +2470,7 @@
           <p:cNvPr id="2" name="标题 1">
             <a:extLst>
               <a:ext uri="{FF2B5EF4-FFF2-40B4-BE49-F238E27FC236}">
-                <a16:creationId xmlns:a16="http://schemas.microsoft.com/office/drawing/2014/main" id="{ED1F02FD-53BE-FA67-B420-88ED6E3B5CC1}"/>
+                <a16:creationId xmlns:a16="http://schemas.microsoft.com/office/drawing/2014/main" id="{FE7D0743-A24A-D75C-1D08-38F465F59C87}"/>
               </a:ext>
             </a:extLst>
           </p:cNvPr>
@@ -2507,7 +2507,7 @@
           <p:cNvPr id="3" name="图片占位符 2">
             <a:extLst>
               <a:ext uri="{FF2B5EF4-FFF2-40B4-BE49-F238E27FC236}">
-                <a16:creationId xmlns:a16="http://schemas.microsoft.com/office/drawing/2014/main" id="{336E1F28-32BF-7D3E-39D9-E20B347EAE50}"/>
+                <a16:creationId xmlns:a16="http://schemas.microsoft.com/office/drawing/2014/main" id="{86E5A5B3-E048-5786-5A9C-525E25E42CA3}"/>
               </a:ext>
             </a:extLst>
           </p:cNvPr>
@@ -2574,7 +2574,7 @@
           <p:cNvPr id="4" name="文本占位符 3">
             <a:extLst>
               <a:ext uri="{FF2B5EF4-FFF2-40B4-BE49-F238E27FC236}">
-                <a16:creationId xmlns:a16="http://schemas.microsoft.com/office/drawing/2014/main" id="{5A973168-018F-B8B5-6917-7EB839526EA5}"/>
+                <a16:creationId xmlns:a16="http://schemas.microsoft.com/office/drawing/2014/main" id="{17B0EFB1-D94B-9DC7-10A2-9E8488DEB56B}"/>
               </a:ext>
             </a:extLst>
           </p:cNvPr>
@@ -2645,7 +2645,7 @@
           <p:cNvPr id="5" name="日期占位符 4">
             <a:extLst>
               <a:ext uri="{FF2B5EF4-FFF2-40B4-BE49-F238E27FC236}">
-                <a16:creationId xmlns:a16="http://schemas.microsoft.com/office/drawing/2014/main" id="{77DEECD1-A4EB-4D5F-6301-BB0343D216E3}"/>
+                <a16:creationId xmlns:a16="http://schemas.microsoft.com/office/drawing/2014/main" id="{F5C39312-254B-D8F5-FE7C-16B109AC568F}"/>
               </a:ext>
             </a:extLst>
           </p:cNvPr>
@@ -2661,7 +2661,7 @@
           <a:bodyPr/>
           <a:lstStyle/>
           <a:p>
-            <a:fld id="{9A432DC9-EEE9-46F9-A315-D3CBFFAC3977}" type="datetimeFigureOut">
+            <a:fld id="{EA08F4B9-9714-4B58-9187-5FE0CF1F2179}" type="datetimeFigureOut">
               <a:rPr lang="zh-CN" altLang="en-US" smtClean="0"/>
               <a:t>2024/3/10</a:t>
             </a:fld>
@@ -2674,7 +2674,7 @@
           <p:cNvPr id="6" name="页脚占位符 5">
             <a:extLst>
               <a:ext uri="{FF2B5EF4-FFF2-40B4-BE49-F238E27FC236}">
-                <a16:creationId xmlns:a16="http://schemas.microsoft.com/office/drawing/2014/main" id="{3144A57F-4FE2-3E85-2901-52B81816D07E}"/>
+                <a16:creationId xmlns:a16="http://schemas.microsoft.com/office/drawing/2014/main" id="{48707D30-6A81-D024-7A23-C0A0FC9C05E7}"/>
               </a:ext>
             </a:extLst>
           </p:cNvPr>
@@ -2699,7 +2699,7 @@
           <p:cNvPr id="7" name="灯片编号占位符 6">
             <a:extLst>
               <a:ext uri="{FF2B5EF4-FFF2-40B4-BE49-F238E27FC236}">
-                <a16:creationId xmlns:a16="http://schemas.microsoft.com/office/drawing/2014/main" id="{BD1583D3-625B-E81F-D3F1-978BE4F6CF34}"/>
+                <a16:creationId xmlns:a16="http://schemas.microsoft.com/office/drawing/2014/main" id="{13E08201-E264-27A8-059A-D93E50375D4D}"/>
               </a:ext>
             </a:extLst>
           </p:cNvPr>
@@ -2715,7 +2715,7 @@
           <a:bodyPr/>
           <a:lstStyle/>
           <a:p>
-            <a:fld id="{0369E653-691C-4413-85FA-062CFDC5C8B2}" type="slidenum">
+            <a:fld id="{AC05731B-A4BC-40F0-97FA-D90F0F29E772}" type="slidenum">
               <a:rPr lang="zh-CN" altLang="en-US" smtClean="0"/>
               <a:t>‹#›</a:t>
             </a:fld>
@@ -2726,7 +2726,7 @@
     </p:spTree>
     <p:extLst>
       <p:ext uri="{BB962C8B-B14F-4D97-AF65-F5344CB8AC3E}">
-        <p14:creationId xmlns:p14="http://schemas.microsoft.com/office/powerpoint/2010/main" val="1352085184"/>
+        <p14:creationId xmlns:p14="http://schemas.microsoft.com/office/powerpoint/2010/main" val="2503633286"/>
       </p:ext>
     </p:extLst>
   </p:cSld>
@@ -2763,7 +2763,7 @@
           <p:cNvPr id="2" name="标题占位符 1">
             <a:extLst>
               <a:ext uri="{FF2B5EF4-FFF2-40B4-BE49-F238E27FC236}">
-                <a16:creationId xmlns:a16="http://schemas.microsoft.com/office/drawing/2014/main" id="{B12919D4-6F5D-DED2-1070-37A9ABB9715F}"/>
+                <a16:creationId xmlns:a16="http://schemas.microsoft.com/office/drawing/2014/main" id="{B3A24021-AA20-0603-D599-5A1A9C63F440}"/>
               </a:ext>
             </a:extLst>
           </p:cNvPr>
@@ -2801,7 +2801,7 @@
           <p:cNvPr id="3" name="文本占位符 2">
             <a:extLst>
               <a:ext uri="{FF2B5EF4-FFF2-40B4-BE49-F238E27FC236}">
-                <a16:creationId xmlns:a16="http://schemas.microsoft.com/office/drawing/2014/main" id="{6EAAF7B6-59D0-0939-3E3F-D9B02E37D035}"/>
+                <a16:creationId xmlns:a16="http://schemas.microsoft.com/office/drawing/2014/main" id="{063CB481-4B5D-2851-C005-31E69BF78F29}"/>
               </a:ext>
             </a:extLst>
           </p:cNvPr>
@@ -2868,7 +2868,7 @@
           <p:cNvPr id="4" name="日期占位符 3">
             <a:extLst>
               <a:ext uri="{FF2B5EF4-FFF2-40B4-BE49-F238E27FC236}">
-                <a16:creationId xmlns:a16="http://schemas.microsoft.com/office/drawing/2014/main" id="{B8893932-CC33-41DF-3134-3CFB9FE685A1}"/>
+                <a16:creationId xmlns:a16="http://schemas.microsoft.com/office/drawing/2014/main" id="{EF541D85-D304-0EDF-033E-49F4BCD18139}"/>
               </a:ext>
             </a:extLst>
           </p:cNvPr>
@@ -2902,7 +2902,7 @@
             </a:lvl1pPr>
           </a:lstStyle>
           <a:p>
-            <a:fld id="{9A432DC9-EEE9-46F9-A315-D3CBFFAC3977}" type="datetimeFigureOut">
+            <a:fld id="{EA08F4B9-9714-4B58-9187-5FE0CF1F2179}" type="datetimeFigureOut">
               <a:rPr lang="zh-CN" altLang="en-US" smtClean="0"/>
               <a:t>2024/3/10</a:t>
             </a:fld>
@@ -2915,7 +2915,7 @@
           <p:cNvPr id="5" name="页脚占位符 4">
             <a:extLst>
               <a:ext uri="{FF2B5EF4-FFF2-40B4-BE49-F238E27FC236}">
-                <a16:creationId xmlns:a16="http://schemas.microsoft.com/office/drawing/2014/main" id="{27452DE5-F42F-342D-6269-99E24B711561}"/>
+                <a16:creationId xmlns:a16="http://schemas.microsoft.com/office/drawing/2014/main" id="{8C5B8DF0-F7E5-7790-F255-EB3C03B50528}"/>
               </a:ext>
             </a:extLst>
           </p:cNvPr>
@@ -2958,7 +2958,7 @@
           <p:cNvPr id="6" name="灯片编号占位符 5">
             <a:extLst>
               <a:ext uri="{FF2B5EF4-FFF2-40B4-BE49-F238E27FC236}">
-                <a16:creationId xmlns:a16="http://schemas.microsoft.com/office/drawing/2014/main" id="{3AA9C866-1F87-8CAE-F3C7-C6C6BDCC5790}"/>
+                <a16:creationId xmlns:a16="http://schemas.microsoft.com/office/drawing/2014/main" id="{5E53DEB5-269A-FD87-AEBD-7AF5584E8A1A}"/>
               </a:ext>
             </a:extLst>
           </p:cNvPr>
@@ -2992,7 +2992,7 @@
             </a:lvl1pPr>
           </a:lstStyle>
           <a:p>
-            <a:fld id="{0369E653-691C-4413-85FA-062CFDC5C8B2}" type="slidenum">
+            <a:fld id="{AC05731B-A4BC-40F0-97FA-D90F0F29E772}" type="slidenum">
               <a:rPr lang="zh-CN" altLang="en-US" smtClean="0"/>
               <a:t>‹#›</a:t>
             </a:fld>
@@ -3003,7 +3003,7 @@
     </p:spTree>
     <p:extLst>
       <p:ext uri="{BB962C8B-B14F-4D97-AF65-F5344CB8AC3E}">
-        <p14:creationId xmlns:p14="http://schemas.microsoft.com/office/powerpoint/2010/main" val="873439056"/>
+        <p14:creationId xmlns:p14="http://schemas.microsoft.com/office/powerpoint/2010/main" val="4045041861"/>
       </p:ext>
     </p:extLst>
   </p:cSld>
@@ -3323,7 +3323,7 @@
       </p:grpSpPr>
       <p:pic>
         <p:nvPicPr>
-          <p:cNvPr id="1588226" name="Picture 2" descr="1550"/>
+          <p:cNvPr id="1589250" name="Picture 2" descr="1551"/>
           <p:cNvPicPr>
             <a:picLocks noChangeAspect="1" noChangeArrowheads="1"/>
           </p:cNvPicPr>
@@ -3344,8 +3344,8 @@
         </p:blipFill>
         <p:spPr bwMode="auto">
           <a:xfrm>
-            <a:off x="1524001" y="0"/>
-            <a:ext cx="9053513" cy="6789738"/>
+            <a:off x="1614488" y="0"/>
+            <a:ext cx="9053512" cy="6789738"/>
           </a:xfrm>
           <a:prstGeom prst="rect">
             <a:avLst/>
@@ -3375,158 +3375,11 @@
           </a:extLst>
         </p:spPr>
       </p:pic>
-      <p:pic>
-        <p:nvPicPr>
-          <p:cNvPr id="1589251" name="Picture 3" descr="1550-2"/>
-          <p:cNvPicPr>
-            <a:picLocks noChangeAspect="1" noChangeArrowheads="1"/>
-          </p:cNvPicPr>
-          <p:nvPr/>
-        </p:nvPicPr>
-        <p:blipFill>
-          <a:blip r:embed="rId3">
-            <a:extLst>
-              <a:ext uri="{28A0092B-C50C-407E-A947-70E740481C1C}">
-                <a14:useLocalDpi xmlns:a14="http://schemas.microsoft.com/office/drawing/2010/main" val="0"/>
-              </a:ext>
-            </a:extLst>
-          </a:blip>
-          <a:srcRect/>
-          <a:stretch>
-            <a:fillRect/>
-          </a:stretch>
-        </p:blipFill>
-        <p:spPr bwMode="auto">
-          <a:xfrm>
-            <a:off x="1524000" y="1"/>
-            <a:ext cx="9124950" cy="6843713"/>
-          </a:xfrm>
-          <a:prstGeom prst="rect">
-            <a:avLst/>
-          </a:prstGeom>
-          <a:noFill/>
-          <a:ln>
-            <a:noFill/>
-          </a:ln>
-          <a:effectLst/>
-          <a:extLst>
-            <a:ext uri="{909E8E84-426E-40DD-AFC4-6F175D3DCCD1}">
-              <a14:hiddenFill xmlns:a14="http://schemas.microsoft.com/office/drawing/2010/main">
-                <a:solidFill>
-                  <a:srgbClr val="FFFFFF"/>
-                </a:solidFill>
-              </a14:hiddenFill>
-            </a:ext>
-            <a:ext uri="{91240B29-F687-4F45-9708-019B960494DF}">
-              <a14:hiddenLine xmlns:a14="http://schemas.microsoft.com/office/drawing/2010/main" w="9525">
-                <a:solidFill>
-                  <a:srgbClr val="000000"/>
-                </a:solidFill>
-                <a:miter lim="800000"/>
-                <a:headEnd/>
-                <a:tailEnd/>
-              </a14:hiddenLine>
-            </a:ext>
-            <a:ext uri="{AF507438-7753-43E0-B8FC-AC1667EBCBE1}">
-              <a14:hiddenEffects xmlns:a14="http://schemas.microsoft.com/office/drawing/2010/main">
-                <a:effectLst>
-                  <a:outerShdw dist="35921" dir="2700000" algn="ctr" rotWithShape="0">
-                    <a:srgbClr val="808080"/>
-                  </a:outerShdw>
-                </a:effectLst>
-              </a14:hiddenEffects>
-            </a:ext>
-          </a:extLst>
-        </p:spPr>
-      </p:pic>
     </p:spTree>
   </p:cSld>
   <p:clrMapOvr>
     <a:masterClrMapping/>
   </p:clrMapOvr>
-  <p:timing>
-    <p:tnLst>
-      <p:par>
-        <p:cTn id="1" dur="indefinite" restart="never" nodeType="tmRoot">
-          <p:childTnLst>
-            <p:seq concurrent="1" nextAc="seek">
-              <p:cTn id="2" dur="indefinite" nodeType="mainSeq">
-                <p:childTnLst>
-                  <p:par>
-                    <p:cTn id="3" fill="hold" nodeType="clickPar">
-                      <p:stCondLst>
-                        <p:cond delay="indefinite"/>
-                      </p:stCondLst>
-                      <p:childTnLst>
-                        <p:par>
-                          <p:cTn id="4" fill="hold" nodeType="withGroup">
-                            <p:stCondLst>
-                              <p:cond delay="0"/>
-                            </p:stCondLst>
-                            <p:childTnLst>
-                              <p:par>
-                                <p:cTn id="5" presetID="10" presetClass="entr" presetSubtype="0" fill="hold" nodeType="clickEffect">
-                                  <p:stCondLst>
-                                    <p:cond delay="0"/>
-                                  </p:stCondLst>
-                                  <p:childTnLst>
-                                    <p:set>
-                                      <p:cBhvr>
-                                        <p:cTn id="6" dur="1" fill="hold">
-                                          <p:stCondLst>
-                                            <p:cond delay="0"/>
-                                          </p:stCondLst>
-                                        </p:cTn>
-                                        <p:tgtEl>
-                                          <p:spTgt spid="1589251"/>
-                                        </p:tgtEl>
-                                        <p:attrNameLst>
-                                          <p:attrName>style.visibility</p:attrName>
-                                        </p:attrNameLst>
-                                      </p:cBhvr>
-                                      <p:to>
-                                        <p:strVal val="visible"/>
-                                      </p:to>
-                                    </p:set>
-                                    <p:animEffect transition="in" filter="fade">
-                                      <p:cBhvr>
-                                        <p:cTn id="7" dur="500"/>
-                                        <p:tgtEl>
-                                          <p:spTgt spid="1589251"/>
-                                        </p:tgtEl>
-                                      </p:cBhvr>
-                                    </p:animEffect>
-                                  </p:childTnLst>
-                                </p:cTn>
-                              </p:par>
-                            </p:childTnLst>
-                          </p:cTn>
-                        </p:par>
-                      </p:childTnLst>
-                    </p:cTn>
-                  </p:par>
-                </p:childTnLst>
-              </p:cTn>
-              <p:prevCondLst>
-                <p:cond evt="onPrev" delay="0">
-                  <p:tgtEl>
-                    <p:sldTgt/>
-                  </p:tgtEl>
-                </p:cond>
-              </p:prevCondLst>
-              <p:nextCondLst>
-                <p:cond evt="onNext" delay="0">
-                  <p:tgtEl>
-                    <p:sldTgt/>
-                  </p:tgtEl>
-                </p:cond>
-              </p:nextCondLst>
-            </p:seq>
-          </p:childTnLst>
-        </p:cTn>
-      </p:par>
-    </p:tnLst>
-  </p:timing>
 </p:sld>
 </file>
 
